--- a/Humberto/Trabalho 3/SGR - Prof Humberto - Trabalho 3 - Energia Eólica - Fábio Posser.pptx
+++ b/Humberto/Trabalho 3/SGR - Prof Humberto - Trabalho 3 - Energia Eólica - Fábio Posser.pptx
@@ -308,7 +308,7 @@
               <a:pPr>
                 <a:defRPr/>
               </a:pPr>
-              <a:t>17/10/2015</a:t>
+              <a:t>18/10/2015</a:t>
             </a:fld>
             <a:endParaRPr lang="pt-BR" dirty="0"/>
           </a:p>
@@ -562,7 +562,7 @@
               <a:pPr>
                 <a:defRPr/>
               </a:pPr>
-              <a:t>10/17/2015</a:t>
+              <a:t>10/18/2015</a:t>
             </a:fld>
             <a:endParaRPr lang="en-US" dirty="0"/>
           </a:p>
@@ -3024,7 +3024,478 @@
                 <a:ea typeface="+mn-ea"/>
                 <a:cs typeface="+mn-cs"/>
               </a:rPr>
-              <a:t>Wind power conversion and demands to power electronics.</a:t>
+              <a:t>Wind power conversion and demands to power electronics</a:t>
+            </a:r>
+            <a:r>
+              <a:rPr lang="en-US" sz="1200" b="0" i="0" u="none" strike="noStrike" kern="1200" baseline="0" dirty="0" smtClean="0">
+                <a:solidFill>
+                  <a:schemeClr val="tx1"/>
+                </a:solidFill>
+                <a:latin typeface="Calibri" pitchFamily="34" charset="0"/>
+                <a:ea typeface="+mn-ea"/>
+                <a:cs typeface="+mn-cs"/>
+              </a:rPr>
+              <a:t>.</a:t>
+            </a:r>
+          </a:p>
+          <a:p>
+            <a:r>
+              <a:rPr lang="en-US" sz="1200" b="0" i="0" u="none" strike="noStrike" kern="1200" baseline="0" dirty="0" err="1" smtClean="0">
+                <a:solidFill>
+                  <a:schemeClr val="tx1"/>
+                </a:solidFill>
+                <a:effectLst/>
+                <a:latin typeface="Calibri" pitchFamily="34" charset="0"/>
+                <a:ea typeface="+mn-ea"/>
+                <a:cs typeface="+mn-cs"/>
+              </a:rPr>
+              <a:t>Conversor</a:t>
+            </a:r>
+            <a:r>
+              <a:rPr lang="en-US" sz="1200" b="0" i="0" u="none" strike="noStrike" kern="1200" baseline="0" dirty="0" smtClean="0">
+                <a:solidFill>
+                  <a:schemeClr val="tx1"/>
+                </a:solidFill>
+                <a:effectLst/>
+                <a:latin typeface="Calibri" pitchFamily="34" charset="0"/>
+                <a:ea typeface="+mn-ea"/>
+                <a:cs typeface="+mn-cs"/>
+              </a:rPr>
+              <a:t> </a:t>
+            </a:r>
+            <a:r>
+              <a:rPr lang="en-US" sz="1200" b="0" i="0" u="none" strike="noStrike" kern="1200" baseline="0" dirty="0" err="1" smtClean="0">
+                <a:solidFill>
+                  <a:schemeClr val="tx1"/>
+                </a:solidFill>
+                <a:effectLst/>
+                <a:latin typeface="Calibri" pitchFamily="34" charset="0"/>
+                <a:ea typeface="+mn-ea"/>
+                <a:cs typeface="+mn-cs"/>
+              </a:rPr>
+              <a:t>necessita</a:t>
+            </a:r>
+            <a:r>
+              <a:rPr lang="en-US" sz="1200" b="0" i="0" u="none" strike="noStrike" kern="1200" baseline="0" dirty="0" smtClean="0">
+                <a:solidFill>
+                  <a:schemeClr val="tx1"/>
+                </a:solidFill>
+                <a:effectLst/>
+                <a:latin typeface="Calibri" pitchFamily="34" charset="0"/>
+                <a:ea typeface="+mn-ea"/>
+                <a:cs typeface="+mn-cs"/>
+              </a:rPr>
+              <a:t> </a:t>
+            </a:r>
+            <a:r>
+              <a:rPr lang="en-US" sz="1200" b="0" i="0" u="none" strike="noStrike" kern="1200" baseline="0" dirty="0" err="1" smtClean="0">
+                <a:solidFill>
+                  <a:schemeClr val="tx1"/>
+                </a:solidFill>
+                <a:effectLst/>
+                <a:latin typeface="Calibri" pitchFamily="34" charset="0"/>
+                <a:ea typeface="+mn-ea"/>
+                <a:cs typeface="+mn-cs"/>
+              </a:rPr>
+              <a:t>ter</a:t>
+            </a:r>
+            <a:r>
+              <a:rPr lang="en-US" sz="1200" b="0" i="0" u="none" strike="noStrike" kern="1200" baseline="0" dirty="0" smtClean="0">
+                <a:solidFill>
+                  <a:schemeClr val="tx1"/>
+                </a:solidFill>
+                <a:effectLst/>
+                <a:latin typeface="Calibri" pitchFamily="34" charset="0"/>
+                <a:ea typeface="+mn-ea"/>
+                <a:cs typeface="+mn-cs"/>
+              </a:rPr>
+              <a:t> </a:t>
+            </a:r>
+            <a:r>
+              <a:rPr lang="en-US" sz="1200" b="0" i="0" u="none" strike="noStrike" kern="1200" baseline="0" dirty="0" err="1" smtClean="0">
+                <a:solidFill>
+                  <a:schemeClr val="tx1"/>
+                </a:solidFill>
+                <a:effectLst/>
+                <a:latin typeface="Calibri" pitchFamily="34" charset="0"/>
+                <a:ea typeface="+mn-ea"/>
+                <a:cs typeface="+mn-cs"/>
+              </a:rPr>
+              <a:t>fácil</a:t>
+            </a:r>
+            <a:r>
+              <a:rPr lang="en-US" sz="1200" b="0" i="0" u="none" strike="noStrike" kern="1200" baseline="0" dirty="0" smtClean="0">
+                <a:solidFill>
+                  <a:schemeClr val="tx1"/>
+                </a:solidFill>
+                <a:effectLst/>
+                <a:latin typeface="Calibri" pitchFamily="34" charset="0"/>
+                <a:ea typeface="+mn-ea"/>
+                <a:cs typeface="+mn-cs"/>
+              </a:rPr>
+              <a:t> </a:t>
+            </a:r>
+            <a:r>
+              <a:rPr lang="en-US" sz="1200" b="0" i="0" u="none" strike="noStrike" kern="1200" baseline="0" dirty="0" err="1" smtClean="0">
+                <a:solidFill>
+                  <a:schemeClr val="tx1"/>
+                </a:solidFill>
+                <a:effectLst/>
+                <a:latin typeface="Calibri" pitchFamily="34" charset="0"/>
+                <a:ea typeface="+mn-ea"/>
+                <a:cs typeface="+mn-cs"/>
+              </a:rPr>
+              <a:t>manutenção</a:t>
+            </a:r>
+            <a:r>
+              <a:rPr lang="en-US" sz="1200" b="0" i="0" u="none" strike="noStrike" kern="1200" baseline="0" dirty="0" smtClean="0">
+                <a:solidFill>
+                  <a:schemeClr val="tx1"/>
+                </a:solidFill>
+                <a:effectLst/>
+                <a:latin typeface="Calibri" pitchFamily="34" charset="0"/>
+                <a:ea typeface="+mn-ea"/>
+                <a:cs typeface="+mn-cs"/>
+              </a:rPr>
+              <a:t>, </a:t>
+            </a:r>
+            <a:r>
+              <a:rPr lang="en-US" sz="1200" b="0" i="0" u="none" strike="noStrike" kern="1200" baseline="0" dirty="0" err="1" smtClean="0">
+                <a:solidFill>
+                  <a:schemeClr val="tx1"/>
+                </a:solidFill>
+                <a:effectLst/>
+                <a:latin typeface="Calibri" pitchFamily="34" charset="0"/>
+                <a:ea typeface="+mn-ea"/>
+                <a:cs typeface="+mn-cs"/>
+              </a:rPr>
+              <a:t>baixo</a:t>
+            </a:r>
+            <a:r>
+              <a:rPr lang="en-US" sz="1200" b="0" i="0" u="none" strike="noStrike" kern="1200" baseline="0" dirty="0" smtClean="0">
+                <a:solidFill>
+                  <a:schemeClr val="tx1"/>
+                </a:solidFill>
+                <a:effectLst/>
+                <a:latin typeface="Calibri" pitchFamily="34" charset="0"/>
+                <a:ea typeface="+mn-ea"/>
+                <a:cs typeface="+mn-cs"/>
+              </a:rPr>
+              <a:t> </a:t>
+            </a:r>
+            <a:r>
+              <a:rPr lang="en-US" sz="1200" b="0" i="0" u="none" strike="noStrike" kern="1200" baseline="0" dirty="0" err="1" smtClean="0">
+                <a:solidFill>
+                  <a:schemeClr val="tx1"/>
+                </a:solidFill>
+                <a:effectLst/>
+                <a:latin typeface="Calibri" pitchFamily="34" charset="0"/>
+                <a:ea typeface="+mn-ea"/>
+                <a:cs typeface="+mn-cs"/>
+              </a:rPr>
+              <a:t>custo</a:t>
+            </a:r>
+            <a:r>
+              <a:rPr lang="en-US" sz="1200" b="0" i="0" u="none" strike="noStrike" kern="1200" baseline="0" dirty="0" smtClean="0">
+                <a:solidFill>
+                  <a:schemeClr val="tx1"/>
+                </a:solidFill>
+                <a:effectLst/>
+                <a:latin typeface="Calibri" pitchFamily="34" charset="0"/>
+                <a:ea typeface="+mn-ea"/>
+                <a:cs typeface="+mn-cs"/>
+              </a:rPr>
+              <a:t>, 20 </a:t>
+            </a:r>
+            <a:r>
+              <a:rPr lang="en-US" sz="1200" b="0" i="0" u="none" strike="noStrike" kern="1200" baseline="0" dirty="0" err="1" smtClean="0">
+                <a:solidFill>
+                  <a:schemeClr val="tx1"/>
+                </a:solidFill>
+                <a:effectLst/>
+                <a:latin typeface="Calibri" pitchFamily="34" charset="0"/>
+                <a:ea typeface="+mn-ea"/>
+                <a:cs typeface="+mn-cs"/>
+              </a:rPr>
+              <a:t>anos</a:t>
+            </a:r>
+            <a:r>
+              <a:rPr lang="en-US" sz="1200" b="0" i="0" u="none" strike="noStrike" kern="1200" baseline="0" dirty="0" smtClean="0">
+                <a:solidFill>
+                  <a:schemeClr val="tx1"/>
+                </a:solidFill>
+                <a:effectLst/>
+                <a:latin typeface="Calibri" pitchFamily="34" charset="0"/>
+                <a:ea typeface="+mn-ea"/>
+                <a:cs typeface="+mn-cs"/>
+              </a:rPr>
+              <a:t> de </a:t>
+            </a:r>
+            <a:r>
+              <a:rPr lang="en-US" sz="1200" b="0" i="0" u="none" strike="noStrike" kern="1200" baseline="0" dirty="0" err="1" smtClean="0">
+                <a:solidFill>
+                  <a:schemeClr val="tx1"/>
+                </a:solidFill>
+                <a:effectLst/>
+                <a:latin typeface="Calibri" pitchFamily="34" charset="0"/>
+                <a:ea typeface="+mn-ea"/>
+                <a:cs typeface="+mn-cs"/>
+              </a:rPr>
+              <a:t>operação</a:t>
+            </a:r>
+            <a:r>
+              <a:rPr lang="en-US" sz="1200" b="0" i="0" u="none" strike="noStrike" kern="1200" baseline="0" dirty="0" smtClean="0">
+                <a:solidFill>
+                  <a:schemeClr val="tx1"/>
+                </a:solidFill>
+                <a:effectLst/>
+                <a:latin typeface="Calibri" pitchFamily="34" charset="0"/>
+                <a:ea typeface="+mn-ea"/>
+                <a:cs typeface="+mn-cs"/>
+              </a:rPr>
+              <a:t>, </a:t>
+            </a:r>
+            <a:r>
+              <a:rPr lang="en-US" sz="1200" b="0" i="0" u="none" strike="noStrike" kern="1200" baseline="0" dirty="0" err="1" smtClean="0">
+                <a:solidFill>
+                  <a:schemeClr val="tx1"/>
+                </a:solidFill>
+                <a:effectLst/>
+                <a:latin typeface="Calibri" pitchFamily="34" charset="0"/>
+                <a:ea typeface="+mn-ea"/>
+                <a:cs typeface="+mn-cs"/>
+              </a:rPr>
+              <a:t>trabalhar</a:t>
+            </a:r>
+            <a:r>
+              <a:rPr lang="en-US" sz="1200" b="0" i="0" u="none" strike="noStrike" kern="1200" baseline="0" dirty="0" smtClean="0">
+                <a:solidFill>
+                  <a:schemeClr val="tx1"/>
+                </a:solidFill>
+                <a:effectLst/>
+                <a:latin typeface="Calibri" pitchFamily="34" charset="0"/>
+                <a:ea typeface="+mn-ea"/>
+                <a:cs typeface="+mn-cs"/>
+              </a:rPr>
+              <a:t> com </a:t>
+            </a:r>
+            <a:r>
+              <a:rPr lang="en-US" sz="1200" b="0" i="0" u="none" strike="noStrike" kern="1200" baseline="0" dirty="0" err="1" smtClean="0">
+                <a:solidFill>
+                  <a:schemeClr val="tx1"/>
+                </a:solidFill>
+                <a:effectLst/>
+                <a:latin typeface="Calibri" pitchFamily="34" charset="0"/>
+                <a:ea typeface="+mn-ea"/>
+                <a:cs typeface="+mn-cs"/>
+              </a:rPr>
+              <a:t>potência</a:t>
+            </a:r>
+            <a:r>
+              <a:rPr lang="en-US" sz="1200" b="0" i="0" u="none" strike="noStrike" kern="1200" baseline="0" dirty="0" smtClean="0">
+                <a:solidFill>
+                  <a:schemeClr val="tx1"/>
+                </a:solidFill>
+                <a:effectLst/>
+                <a:latin typeface="Calibri" pitchFamily="34" charset="0"/>
+                <a:ea typeface="+mn-ea"/>
+                <a:cs typeface="+mn-cs"/>
+              </a:rPr>
+              <a:t> </a:t>
+            </a:r>
+            <a:r>
+              <a:rPr lang="en-US" sz="1200" b="0" i="0" u="none" strike="noStrike" kern="1200" baseline="0" dirty="0" err="1" smtClean="0">
+                <a:solidFill>
+                  <a:schemeClr val="tx1"/>
+                </a:solidFill>
+                <a:effectLst/>
+                <a:latin typeface="Calibri" pitchFamily="34" charset="0"/>
+                <a:ea typeface="+mn-ea"/>
+                <a:cs typeface="+mn-cs"/>
+              </a:rPr>
+              <a:t>ativa</a:t>
+            </a:r>
+            <a:r>
+              <a:rPr lang="en-US" sz="1200" b="0" i="0" u="none" strike="noStrike" kern="1200" baseline="0" dirty="0" smtClean="0">
+                <a:solidFill>
+                  <a:schemeClr val="tx1"/>
+                </a:solidFill>
+                <a:effectLst/>
+                <a:latin typeface="Calibri" pitchFamily="34" charset="0"/>
+                <a:ea typeface="+mn-ea"/>
+                <a:cs typeface="+mn-cs"/>
+              </a:rPr>
+              <a:t> e </a:t>
+            </a:r>
+            <a:r>
+              <a:rPr lang="en-US" sz="1200" b="0" i="0" u="none" strike="noStrike" kern="1200" baseline="0" dirty="0" err="1" smtClean="0">
+                <a:solidFill>
+                  <a:schemeClr val="tx1"/>
+                </a:solidFill>
+                <a:effectLst/>
+                <a:latin typeface="Calibri" pitchFamily="34" charset="0"/>
+                <a:ea typeface="+mn-ea"/>
+                <a:cs typeface="+mn-cs"/>
+              </a:rPr>
+              <a:t>reativa</a:t>
+            </a:r>
+            <a:r>
+              <a:rPr lang="en-US" sz="1200" b="0" i="0" u="none" strike="noStrike" kern="1200" baseline="0" dirty="0" smtClean="0">
+                <a:solidFill>
+                  <a:schemeClr val="tx1"/>
+                </a:solidFill>
+                <a:effectLst/>
+                <a:latin typeface="Calibri" pitchFamily="34" charset="0"/>
+                <a:ea typeface="+mn-ea"/>
+                <a:cs typeface="+mn-cs"/>
+              </a:rPr>
+              <a:t> do </a:t>
+            </a:r>
+            <a:r>
+              <a:rPr lang="en-US" sz="1200" b="0" i="0" u="none" strike="noStrike" kern="1200" baseline="0" dirty="0" err="1" smtClean="0">
+                <a:solidFill>
+                  <a:schemeClr val="tx1"/>
+                </a:solidFill>
+                <a:effectLst/>
+                <a:latin typeface="Calibri" pitchFamily="34" charset="0"/>
+                <a:ea typeface="+mn-ea"/>
+                <a:cs typeface="+mn-cs"/>
+              </a:rPr>
+              <a:t>lado</a:t>
+            </a:r>
+            <a:r>
+              <a:rPr lang="en-US" sz="1200" b="0" i="0" u="none" strike="noStrike" kern="1200" baseline="0" dirty="0" smtClean="0">
+                <a:solidFill>
+                  <a:schemeClr val="tx1"/>
+                </a:solidFill>
+                <a:effectLst/>
+                <a:latin typeface="Calibri" pitchFamily="34" charset="0"/>
+                <a:ea typeface="+mn-ea"/>
+                <a:cs typeface="+mn-cs"/>
+              </a:rPr>
+              <a:t> do </a:t>
+            </a:r>
+            <a:r>
+              <a:rPr lang="en-US" sz="1200" b="0" i="0" u="none" strike="noStrike" kern="1200" baseline="0" dirty="0" err="1" smtClean="0">
+                <a:solidFill>
+                  <a:schemeClr val="tx1"/>
+                </a:solidFill>
+                <a:effectLst/>
+                <a:latin typeface="Calibri" pitchFamily="34" charset="0"/>
+                <a:ea typeface="+mn-ea"/>
+                <a:cs typeface="+mn-cs"/>
+              </a:rPr>
+              <a:t>inversor</a:t>
+            </a:r>
+            <a:r>
+              <a:rPr lang="en-US" sz="1200" b="0" i="0" u="none" strike="noStrike" kern="1200" baseline="0" dirty="0" smtClean="0">
+                <a:solidFill>
+                  <a:schemeClr val="tx1"/>
+                </a:solidFill>
+                <a:effectLst/>
+                <a:latin typeface="Calibri" pitchFamily="34" charset="0"/>
+                <a:ea typeface="+mn-ea"/>
+                <a:cs typeface="+mn-cs"/>
+              </a:rPr>
+              <a:t> e da </a:t>
+            </a:r>
+            <a:r>
+              <a:rPr lang="en-US" sz="1200" b="0" i="0" u="none" strike="noStrike" kern="1200" baseline="0" dirty="0" err="1" smtClean="0">
+                <a:solidFill>
+                  <a:schemeClr val="tx1"/>
+                </a:solidFill>
+                <a:effectLst/>
+                <a:latin typeface="Calibri" pitchFamily="34" charset="0"/>
+                <a:ea typeface="+mn-ea"/>
+                <a:cs typeface="+mn-cs"/>
+              </a:rPr>
+              <a:t>rede</a:t>
+            </a:r>
+            <a:r>
+              <a:rPr lang="en-US" sz="1200" b="0" i="0" u="none" strike="noStrike" kern="1200" baseline="0" dirty="0" smtClean="0">
+                <a:solidFill>
+                  <a:schemeClr val="tx1"/>
+                </a:solidFill>
+                <a:effectLst/>
+                <a:latin typeface="Calibri" pitchFamily="34" charset="0"/>
+                <a:ea typeface="+mn-ea"/>
+                <a:cs typeface="+mn-cs"/>
+              </a:rPr>
+              <a:t>.</a:t>
+            </a:r>
+          </a:p>
+          <a:p>
+            <a:r>
+              <a:rPr lang="en-US" sz="1200" b="0" i="0" u="none" strike="noStrike" kern="1200" baseline="0" dirty="0" err="1" smtClean="0">
+                <a:solidFill>
+                  <a:schemeClr val="tx1"/>
+                </a:solidFill>
+                <a:effectLst/>
+                <a:latin typeface="Calibri" pitchFamily="34" charset="0"/>
+                <a:ea typeface="+mn-ea"/>
+                <a:cs typeface="+mn-cs"/>
+              </a:rPr>
+              <a:t>Baixo</a:t>
+            </a:r>
+            <a:r>
+              <a:rPr lang="en-US" sz="1200" b="0" i="0" u="none" strike="noStrike" kern="1200" baseline="0" dirty="0" smtClean="0">
+                <a:solidFill>
+                  <a:schemeClr val="tx1"/>
+                </a:solidFill>
+                <a:effectLst/>
+                <a:latin typeface="Calibri" pitchFamily="34" charset="0"/>
+                <a:ea typeface="+mn-ea"/>
+                <a:cs typeface="+mn-cs"/>
+              </a:rPr>
+              <a:t> THD, boa </a:t>
+            </a:r>
+            <a:r>
+              <a:rPr lang="en-US" sz="1200" b="0" i="0" u="none" strike="noStrike" kern="1200" baseline="0" dirty="0" err="1" smtClean="0">
+                <a:solidFill>
+                  <a:schemeClr val="tx1"/>
+                </a:solidFill>
+                <a:effectLst/>
+                <a:latin typeface="Calibri" pitchFamily="34" charset="0"/>
+                <a:ea typeface="+mn-ea"/>
+                <a:cs typeface="+mn-cs"/>
+              </a:rPr>
+              <a:t>resposta</a:t>
+            </a:r>
+            <a:r>
+              <a:rPr lang="en-US" sz="1200" b="0" i="0" u="none" strike="noStrike" kern="1200" baseline="0" dirty="0" smtClean="0">
+                <a:solidFill>
+                  <a:schemeClr val="tx1"/>
+                </a:solidFill>
+                <a:effectLst/>
+                <a:latin typeface="Calibri" pitchFamily="34" charset="0"/>
+                <a:ea typeface="+mn-ea"/>
+                <a:cs typeface="+mn-cs"/>
+              </a:rPr>
+              <a:t> </a:t>
+            </a:r>
+            <a:r>
+              <a:rPr lang="en-US" sz="1200" b="0" i="0" u="none" strike="noStrike" kern="1200" baseline="0" dirty="0" err="1" smtClean="0">
+                <a:solidFill>
+                  <a:schemeClr val="tx1"/>
+                </a:solidFill>
+                <a:effectLst/>
+                <a:latin typeface="Calibri" pitchFamily="34" charset="0"/>
+                <a:ea typeface="+mn-ea"/>
+                <a:cs typeface="+mn-cs"/>
+              </a:rPr>
+              <a:t>dinâmica</a:t>
+            </a:r>
+            <a:r>
+              <a:rPr lang="en-US" sz="1200" b="0" i="0" u="none" strike="noStrike" kern="1200" baseline="0" dirty="0" smtClean="0">
+                <a:solidFill>
+                  <a:schemeClr val="tx1"/>
+                </a:solidFill>
+                <a:effectLst/>
+                <a:latin typeface="Calibri" pitchFamily="34" charset="0"/>
+                <a:ea typeface="+mn-ea"/>
+                <a:cs typeface="+mn-cs"/>
+              </a:rPr>
+              <a:t>, etc….</a:t>
             </a:r>
             <a:endParaRPr lang="en-US" sz="1200" kern="1200" dirty="0">
               <a:solidFill>
@@ -3125,7 +3596,7 @@
           <a:lstStyle/>
           <a:p>
             <a:r>
-              <a:rPr lang="en-US" sz="1200" b="0" i="0" u="none" strike="noStrike" kern="1200" baseline="0" dirty="0" smtClean="0">
+              <a:rPr lang="en-US" sz="1200" b="0" i="0" u="none" strike="noStrike" kern="1200" baseline="0" dirty="0" err="1" smtClean="0">
                 <a:solidFill>
                   <a:schemeClr val="tx1"/>
                 </a:solidFill>
@@ -3133,7 +3604,194 @@
                 <a:ea typeface="+mn-ea"/>
                 <a:cs typeface="+mn-cs"/>
               </a:rPr>
-              <a:t>Wind power conversion and demands to power electronics.</a:t>
+              <a:t>Processamento</a:t>
+            </a:r>
+            <a:r>
+              <a:rPr lang="en-US" sz="1200" b="0" i="0" u="none" strike="noStrike" kern="1200" baseline="0" dirty="0" smtClean="0">
+                <a:solidFill>
+                  <a:schemeClr val="tx1"/>
+                </a:solidFill>
+                <a:latin typeface="Calibri" pitchFamily="34" charset="0"/>
+                <a:ea typeface="+mn-ea"/>
+                <a:cs typeface="+mn-cs"/>
+              </a:rPr>
+              <a:t> </a:t>
+            </a:r>
+            <a:r>
+              <a:rPr lang="en-US" sz="1200" b="0" i="0" u="none" strike="noStrike" kern="1200" baseline="0" dirty="0" err="1" smtClean="0">
+                <a:solidFill>
+                  <a:schemeClr val="tx1"/>
+                </a:solidFill>
+                <a:latin typeface="Calibri" pitchFamily="34" charset="0"/>
+                <a:ea typeface="+mn-ea"/>
+                <a:cs typeface="+mn-cs"/>
+              </a:rPr>
+              <a:t>parcial</a:t>
+            </a:r>
+            <a:r>
+              <a:rPr lang="en-US" sz="1200" b="0" i="0" u="none" strike="noStrike" kern="1200" baseline="0" dirty="0" smtClean="0">
+                <a:solidFill>
+                  <a:schemeClr val="tx1"/>
+                </a:solidFill>
+                <a:latin typeface="Calibri" pitchFamily="34" charset="0"/>
+                <a:ea typeface="+mn-ea"/>
+                <a:cs typeface="+mn-cs"/>
+              </a:rPr>
+              <a:t>, </a:t>
+            </a:r>
+            <a:r>
+              <a:rPr lang="en-US" sz="1200" b="0" i="0" u="none" strike="noStrike" kern="1200" baseline="0" dirty="0" err="1" smtClean="0">
+                <a:solidFill>
+                  <a:schemeClr val="tx1"/>
+                </a:solidFill>
+                <a:latin typeface="Calibri" pitchFamily="34" charset="0"/>
+                <a:ea typeface="+mn-ea"/>
+                <a:cs typeface="+mn-cs"/>
+              </a:rPr>
+              <a:t>cerca</a:t>
+            </a:r>
+            <a:r>
+              <a:rPr lang="en-US" sz="1200" b="0" i="0" u="none" strike="noStrike" kern="1200" baseline="0" dirty="0" smtClean="0">
+                <a:solidFill>
+                  <a:schemeClr val="tx1"/>
+                </a:solidFill>
+                <a:latin typeface="Calibri" pitchFamily="34" charset="0"/>
+                <a:ea typeface="+mn-ea"/>
+                <a:cs typeface="+mn-cs"/>
+              </a:rPr>
+              <a:t> de 30% da </a:t>
+            </a:r>
+            <a:r>
+              <a:rPr lang="en-US" sz="1200" b="0" i="0" u="none" strike="noStrike" kern="1200" baseline="0" dirty="0" err="1" smtClean="0">
+                <a:solidFill>
+                  <a:schemeClr val="tx1"/>
+                </a:solidFill>
+                <a:latin typeface="Calibri" pitchFamily="34" charset="0"/>
+                <a:ea typeface="+mn-ea"/>
+                <a:cs typeface="+mn-cs"/>
+              </a:rPr>
+              <a:t>potência</a:t>
+            </a:r>
+            <a:r>
+              <a:rPr lang="en-US" sz="1200" b="0" i="0" u="none" strike="noStrike" kern="1200" baseline="0" dirty="0" smtClean="0">
+                <a:solidFill>
+                  <a:schemeClr val="tx1"/>
+                </a:solidFill>
+                <a:latin typeface="Calibri" pitchFamily="34" charset="0"/>
+                <a:ea typeface="+mn-ea"/>
+                <a:cs typeface="+mn-cs"/>
+              </a:rPr>
+              <a:t> do </a:t>
+            </a:r>
+            <a:r>
+              <a:rPr lang="en-US" sz="1200" b="0" i="0" u="none" strike="noStrike" kern="1200" baseline="0" dirty="0" err="1" smtClean="0">
+                <a:solidFill>
+                  <a:schemeClr val="tx1"/>
+                </a:solidFill>
+                <a:latin typeface="Calibri" pitchFamily="34" charset="0"/>
+                <a:ea typeface="+mn-ea"/>
+                <a:cs typeface="+mn-cs"/>
+              </a:rPr>
+              <a:t>gerador</a:t>
+            </a:r>
+            <a:r>
+              <a:rPr lang="en-US" sz="1200" b="0" i="0" u="none" strike="noStrike" kern="1200" baseline="0" dirty="0" smtClean="0">
+                <a:solidFill>
+                  <a:schemeClr val="tx1"/>
+                </a:solidFill>
+                <a:latin typeface="Calibri" pitchFamily="34" charset="0"/>
+                <a:ea typeface="+mn-ea"/>
+                <a:cs typeface="+mn-cs"/>
+              </a:rPr>
+              <a:t>, e </a:t>
+            </a:r>
+            <a:r>
+              <a:rPr lang="en-US" sz="1200" b="0" i="0" u="none" strike="noStrike" kern="1200" baseline="0" dirty="0" err="1" smtClean="0">
+                <a:solidFill>
+                  <a:schemeClr val="tx1"/>
+                </a:solidFill>
+                <a:latin typeface="Calibri" pitchFamily="34" charset="0"/>
+                <a:ea typeface="+mn-ea"/>
+                <a:cs typeface="+mn-cs"/>
+              </a:rPr>
+              <a:t>determina</a:t>
+            </a:r>
+            <a:r>
+              <a:rPr lang="en-US" sz="1200" b="0" i="0" u="none" strike="noStrike" kern="1200" baseline="0" dirty="0" smtClean="0">
+                <a:solidFill>
+                  <a:schemeClr val="tx1"/>
+                </a:solidFill>
+                <a:latin typeface="Calibri" pitchFamily="34" charset="0"/>
+                <a:ea typeface="+mn-ea"/>
+                <a:cs typeface="+mn-cs"/>
+              </a:rPr>
+              <a:t> a </a:t>
+            </a:r>
+            <a:r>
+              <a:rPr lang="en-US" sz="1200" b="0" i="0" u="none" strike="noStrike" kern="1200" baseline="0" dirty="0" err="1" smtClean="0">
+                <a:solidFill>
+                  <a:schemeClr val="tx1"/>
+                </a:solidFill>
+                <a:latin typeface="Calibri" pitchFamily="34" charset="0"/>
+                <a:ea typeface="+mn-ea"/>
+                <a:cs typeface="+mn-cs"/>
+              </a:rPr>
+              <a:t>velocidade</a:t>
+            </a:r>
+            <a:r>
+              <a:rPr lang="en-US" sz="1200" b="0" i="0" u="none" strike="noStrike" kern="1200" baseline="0" dirty="0" smtClean="0">
+                <a:solidFill>
+                  <a:schemeClr val="tx1"/>
+                </a:solidFill>
+                <a:latin typeface="Calibri" pitchFamily="34" charset="0"/>
+                <a:ea typeface="+mn-ea"/>
+                <a:cs typeface="+mn-cs"/>
+              </a:rPr>
+              <a:t> da </a:t>
+            </a:r>
+            <a:r>
+              <a:rPr lang="en-US" sz="1200" b="0" i="0" u="none" strike="noStrike" kern="1200" baseline="0" dirty="0" err="1" smtClean="0">
+                <a:solidFill>
+                  <a:schemeClr val="tx1"/>
+                </a:solidFill>
+                <a:latin typeface="Calibri" pitchFamily="34" charset="0"/>
+                <a:ea typeface="+mn-ea"/>
+                <a:cs typeface="+mn-cs"/>
+              </a:rPr>
+              <a:t>máquina</a:t>
+            </a:r>
+            <a:r>
+              <a:rPr lang="en-US" sz="1200" b="0" i="0" u="none" strike="noStrike" kern="1200" baseline="0" dirty="0" smtClean="0">
+                <a:solidFill>
+                  <a:schemeClr val="tx1"/>
+                </a:solidFill>
+                <a:latin typeface="Calibri" pitchFamily="34" charset="0"/>
+                <a:ea typeface="+mn-ea"/>
+                <a:cs typeface="+mn-cs"/>
+              </a:rPr>
+              <a:t> pela </a:t>
+            </a:r>
+            <a:r>
+              <a:rPr lang="en-US" sz="1200" b="0" i="0" u="none" strike="noStrike" kern="1200" baseline="0" dirty="0" err="1" smtClean="0">
+                <a:solidFill>
+                  <a:schemeClr val="tx1"/>
+                </a:solidFill>
+                <a:latin typeface="Calibri" pitchFamily="34" charset="0"/>
+                <a:ea typeface="+mn-ea"/>
+                <a:cs typeface="+mn-cs"/>
+              </a:rPr>
+              <a:t>excitação</a:t>
+            </a:r>
+            <a:r>
+              <a:rPr lang="en-US" sz="1200" b="0" i="0" u="none" strike="noStrike" kern="1200" baseline="0" dirty="0" smtClean="0">
+                <a:solidFill>
+                  <a:schemeClr val="tx1"/>
+                </a:solidFill>
+                <a:latin typeface="Calibri" pitchFamily="34" charset="0"/>
+                <a:ea typeface="+mn-ea"/>
+                <a:cs typeface="+mn-cs"/>
+              </a:rPr>
+              <a:t> do rotor.</a:t>
             </a:r>
             <a:endParaRPr lang="en-US" sz="1200" kern="1200" dirty="0">
               <a:solidFill>
@@ -3595,7 +4253,7 @@
             </a:pPr>
             <a:fld id="{342D3759-20A9-43AA-B66D-5F6D5C08724C}" type="datetime1">
               <a:rPr lang="pt-BR" smtClean="0"/>
-              <a:t>17/10/2015</a:t>
+              <a:t>18/10/2015</a:t>
             </a:fld>
             <a:endParaRPr lang="pt-BR" dirty="0"/>
           </a:p>
@@ -3793,7 +4451,7 @@
             </a:pPr>
             <a:fld id="{CFDC836C-7116-4783-B36C-83C3D2D5C787}" type="datetime1">
               <a:rPr lang="pt-BR" smtClean="0"/>
-              <a:t>17/10/2015</a:t>
+              <a:t>18/10/2015</a:t>
             </a:fld>
             <a:endParaRPr lang="pt-BR" dirty="0"/>
           </a:p>
@@ -4001,7 +4659,7 @@
             </a:pPr>
             <a:fld id="{0209899C-10C7-454F-A042-7A072DF1830C}" type="datetime1">
               <a:rPr lang="pt-BR" smtClean="0"/>
-              <a:t>17/10/2015</a:t>
+              <a:t>18/10/2015</a:t>
             </a:fld>
             <a:endParaRPr lang="pt-BR" dirty="0"/>
           </a:p>
@@ -4199,7 +4857,7 @@
             </a:pPr>
             <a:fld id="{17ABC896-FC96-4F76-ADDF-61B7CA6D5813}" type="datetime1">
               <a:rPr lang="pt-BR" smtClean="0"/>
-              <a:t>17/10/2015</a:t>
+              <a:t>18/10/2015</a:t>
             </a:fld>
             <a:endParaRPr lang="pt-BR" dirty="0"/>
           </a:p>
@@ -4473,7 +5131,7 @@
             </a:pPr>
             <a:fld id="{162C7ACC-65AB-493E-9DCA-8367F39CE5D5}" type="datetime1">
               <a:rPr lang="pt-BR" smtClean="0"/>
-              <a:t>17/10/2015</a:t>
+              <a:t>18/10/2015</a:t>
             </a:fld>
             <a:endParaRPr lang="pt-BR" dirty="0"/>
           </a:p>
@@ -4789,7 +5447,7 @@
             </a:pPr>
             <a:fld id="{DC180C78-9282-4796-A57D-D9596BF85D94}" type="datetime1">
               <a:rPr lang="pt-BR" smtClean="0"/>
-              <a:t>17/10/2015</a:t>
+              <a:t>18/10/2015</a:t>
             </a:fld>
             <a:endParaRPr lang="pt-BR" dirty="0"/>
           </a:p>
@@ -5239,7 +5897,7 @@
             </a:pPr>
             <a:fld id="{982449B7-97E0-424E-A93A-86BE054F847D}" type="datetime1">
               <a:rPr lang="pt-BR" smtClean="0"/>
-              <a:t>17/10/2015</a:t>
+              <a:t>18/10/2015</a:t>
             </a:fld>
             <a:endParaRPr lang="pt-BR" dirty="0"/>
           </a:p>
@@ -5385,7 +6043,7 @@
             </a:pPr>
             <a:fld id="{347292DE-2B66-4866-BA04-94AC197F48CA}" type="datetime1">
               <a:rPr lang="pt-BR" smtClean="0"/>
-              <a:t>17/10/2015</a:t>
+              <a:t>18/10/2015</a:t>
             </a:fld>
             <a:endParaRPr lang="pt-BR" dirty="0"/>
           </a:p>
@@ -5508,7 +6166,7 @@
             </a:pPr>
             <a:fld id="{04171D23-9202-4902-AC68-9103F0D0AE56}" type="datetime1">
               <a:rPr lang="pt-BR" smtClean="0"/>
-              <a:t>17/10/2015</a:t>
+              <a:t>18/10/2015</a:t>
             </a:fld>
             <a:endParaRPr lang="pt-BR" dirty="0"/>
           </a:p>
@@ -5813,7 +6471,7 @@
             </a:pPr>
             <a:fld id="{1B1A5FF7-3CFC-454B-960A-668E23AC65D5}" type="datetime1">
               <a:rPr lang="pt-BR" smtClean="0"/>
-              <a:t>17/10/2015</a:t>
+              <a:t>18/10/2015</a:t>
             </a:fld>
             <a:endParaRPr lang="pt-BR" dirty="0"/>
           </a:p>
@@ -6097,7 +6755,7 @@
             </a:pPr>
             <a:fld id="{6FB26D41-4245-4600-95DB-FC4247B5AF3E}" type="datetime1">
               <a:rPr lang="pt-BR" smtClean="0"/>
-              <a:t>17/10/2015</a:t>
+              <a:t>18/10/2015</a:t>
             </a:fld>
             <a:endParaRPr lang="pt-BR" dirty="0"/>
           </a:p>
@@ -6404,7 +7062,7 @@
             </a:pPr>
             <a:fld id="{42CDBA07-5F7C-4A3C-82DF-070F3ACC57C0}" type="datetime1">
               <a:rPr lang="pt-BR" smtClean="0"/>
-              <a:t>17/10/2015</a:t>
+              <a:t>18/10/2015</a:t>
             </a:fld>
             <a:endParaRPr lang="pt-BR" dirty="0"/>
           </a:p>
@@ -7125,24 +7783,7 @@
                 <a:latin typeface="Arial" pitchFamily="34" charset="0"/>
                 <a:cs typeface="Arial" pitchFamily="34" charset="0"/>
               </a:rPr>
-              <a:t> </a:t>
-            </a:r>
-            <a:r>
-              <a:rPr lang="pt-BR" sz="2800" b="1" cap="all" dirty="0" smtClean="0">
-                <a:solidFill>
-                  <a:schemeClr val="tx2"/>
-                </a:solidFill>
-                <a:effectLst>
-                  <a:outerShdw blurRad="38100" dist="38100" dir="2700000" algn="tl">
-                    <a:srgbClr val="000000">
-                      <a:alpha val="43137"/>
-                    </a:srgbClr>
-                  </a:outerShdw>
-                </a:effectLst>
-                <a:latin typeface="Arial" pitchFamily="34" charset="0"/>
-                <a:cs typeface="Arial" pitchFamily="34" charset="0"/>
-              </a:rPr>
-              <a:t>Pinheiro </a:t>
+              <a:t> Pinheiro </a:t>
             </a:r>
           </a:p>
           <a:p>
@@ -7359,18 +8000,7 @@
                 </a:effectLst>
                 <a:cs typeface="Arial" charset="0"/>
               </a:rPr>
-              <a:t>Outubro </a:t>
-            </a:r>
-            <a:r>
-              <a:rPr lang="pt-BR" sz="2000" b="1" dirty="0" smtClean="0">
-                <a:effectLst>
-                  <a:outerShdw blurRad="38100" dist="38100" dir="2700000" algn="tl">
-                    <a:srgbClr val="C0C0C0"/>
-                  </a:outerShdw>
-                </a:effectLst>
-                <a:cs typeface="Arial" charset="0"/>
-              </a:rPr>
-              <a:t>2015</a:t>
+              <a:t>Outubro 2015</a:t>
             </a:r>
             <a:endParaRPr lang="pt-BR" sz="2000" b="1" dirty="0">
               <a:effectLst>
@@ -7989,7 +8619,11 @@
             </a:pPr>
             <a:r>
               <a:rPr lang="en-US" noProof="1" smtClean="0"/>
-              <a:t>Varios níveis de tensão de saída, reduzindo dv/dt;</a:t>
+              <a:t>Vários </a:t>
+            </a:r>
+            <a:r>
+              <a:rPr lang="en-US" noProof="1" smtClean="0"/>
+              <a:t>níveis de tensão de saída, reduzindo dv/dt;</a:t>
             </a:r>
           </a:p>
           <a:p>
@@ -8029,11 +8663,7 @@
             </a:pPr>
             <a:r>
               <a:rPr lang="en-US" noProof="1"/>
-              <a:t>Algumas </a:t>
-            </a:r>
-            <a:r>
-              <a:rPr lang="en-US" noProof="1"/>
-              <a:t>topologias </a:t>
+              <a:t>Algumas topologias </a:t>
             </a:r>
             <a:r>
               <a:rPr lang="en-US" noProof="1" smtClean="0"/>
@@ -8300,23 +8930,15 @@
             <a:pPr marL="0" lvl="1" algn="just"/>
             <a:r>
               <a:rPr lang="en-US" noProof="1"/>
-              <a:t>Three-Level Neutral-Point Diode </a:t>
+              <a:t>Three-Level Neutral-Point Diode Clamped </a:t>
+            </a:r>
+            <a:r>
+              <a:rPr lang="en-US" noProof="1" smtClean="0"/>
+              <a:t>Back-To-Back Topology </a:t>
             </a:r>
             <a:r>
               <a:rPr lang="en-US" noProof="1"/>
-              <a:t>Clamped </a:t>
-            </a:r>
-            <a:r>
-              <a:rPr lang="en-US" noProof="1" smtClean="0"/>
-              <a:t>Back-To-BackTopology </a:t>
-            </a:r>
-            <a:r>
-              <a:rPr lang="en-US" noProof="1"/>
-              <a:t>(</a:t>
-            </a:r>
-            <a:r>
-              <a:rPr lang="en-US" noProof="1"/>
-              <a:t>3L-NPC </a:t>
+              <a:t>(3L-NPC </a:t>
             </a:r>
             <a:r>
               <a:rPr lang="en-US" noProof="1" smtClean="0"/>
@@ -8611,11 +9233,7 @@
             <a:pPr marL="0" lvl="1" algn="just"/>
             <a:r>
               <a:rPr lang="en-US" noProof="1"/>
-              <a:t>Three-Level H-Bridge Back-to-Back Topology </a:t>
-            </a:r>
-            <a:r>
-              <a:rPr lang="en-US" noProof="1"/>
-              <a:t>(</a:t>
+              <a:t>Three-Level H-Bridge Back-to-Back Topology (</a:t>
             </a:r>
             <a:r>
               <a:rPr lang="en-US" noProof="1" smtClean="0"/>
@@ -8906,11 +9524,7 @@
             <a:pPr marL="0" lvl="1" algn="just"/>
             <a:r>
               <a:rPr lang="en-US" noProof="1"/>
-              <a:t>Five-Level H-Bridge Back-to-Back Topology </a:t>
-            </a:r>
-            <a:r>
-              <a:rPr lang="en-US" noProof="1"/>
-              <a:t>(</a:t>
+              <a:t>Five-Level H-Bridge Back-to-Back Topology (</a:t>
             </a:r>
             <a:r>
               <a:rPr lang="en-US" noProof="1" smtClean="0"/>
@@ -9434,11 +10048,7 @@
             <a:pPr marL="0" lvl="1" algn="just"/>
             <a:r>
               <a:rPr lang="en-US" noProof="1"/>
-              <a:t>Cascaded H-bridge (</a:t>
-            </a:r>
-            <a:r>
-              <a:rPr lang="en-US" noProof="1"/>
-              <a:t>UNIFLEX-PM </a:t>
+              <a:t>Cascaded H-bridge (UNIFLEX-PM </a:t>
             </a:r>
             <a:r>
               <a:rPr lang="en-US" noProof="1" smtClean="0"/>
@@ -10548,23 +11158,8 @@
                 </a:solidFill>
                 <a:cs typeface="Arial" charset="0"/>
               </a:rPr>
-              <a:t> </a:t>
-            </a:r>
-            <a:r>
-              <a:rPr lang="pt-BR" b="1" dirty="0" smtClean="0">
-                <a:solidFill>
-                  <a:schemeClr val="tx2"/>
-                </a:solidFill>
-                <a:cs typeface="Arial" charset="0"/>
-              </a:rPr>
-              <a:t>Objetivo</a:t>
-            </a:r>
-            <a:endParaRPr lang="pt-BR" b="1" dirty="0" smtClean="0">
-              <a:solidFill>
-                <a:schemeClr val="tx2"/>
-              </a:solidFill>
-              <a:cs typeface="Arial" charset="0"/>
-            </a:endParaRPr>
+              <a:t> Objetivo</a:t>
+            </a:r>
           </a:p>
           <a:p>
             <a:pPr>
@@ -10584,16 +11179,7 @@
                 </a:solidFill>
                 <a:cs typeface="Arial" charset="0"/>
               </a:rPr>
-              <a:t> </a:t>
-            </a:r>
-            <a:r>
-              <a:rPr lang="pt-BR" b="1" dirty="0" smtClean="0">
-                <a:solidFill>
-                  <a:schemeClr val="tx2"/>
-                </a:solidFill>
-                <a:cs typeface="Arial" charset="0"/>
-              </a:rPr>
-              <a:t>Introdução</a:t>
+              <a:t> Introdução</a:t>
             </a:r>
           </a:p>
           <a:p>
@@ -10700,12 +11286,6 @@
               </a:rPr>
               <a:t> Problemas e viabilidade</a:t>
             </a:r>
-            <a:endParaRPr lang="pt-BR" b="1" dirty="0" smtClean="0">
-              <a:solidFill>
-                <a:schemeClr val="tx2"/>
-              </a:solidFill>
-              <a:cs typeface="Arial" charset="0"/>
-            </a:endParaRPr>
           </a:p>
           <a:p>
             <a:pPr>
@@ -11480,11 +12060,7 @@
             <a:pPr marL="0" lvl="1" algn="just"/>
             <a:r>
               <a:rPr lang="pt-BR" noProof="1"/>
-              <a:t>Em 2020 estimasse que 20% da energia utilizada na Europa será proveniente de torres </a:t>
-            </a:r>
-            <a:r>
-              <a:rPr lang="pt-BR" noProof="1"/>
-              <a:t>eólicas</a:t>
+              <a:t>Em 2020 estimasse que 20% da energia utilizada na Europa será proveniente de torres eólicas</a:t>
             </a:r>
             <a:r>
               <a:rPr lang="pt-BR" noProof="1" smtClean="0"/>
@@ -11511,11 +12087,7 @@
             </a:r>
             <a:r>
               <a:rPr lang="pt-BR" noProof="1"/>
-              <a:t>turbinas irá aumentar e as fazendas eólicas estão começando a surgir em terrenos off-shore por busca de um maior </a:t>
-            </a:r>
-            <a:r>
-              <a:rPr lang="pt-BR" noProof="1"/>
-              <a:t>aproveitamento</a:t>
+              <a:t>turbinas irá aumentar e as fazendas eólicas estão começando a surgir em terrenos off-shore por busca de um maior aproveitamento</a:t>
             </a:r>
             <a:r>
               <a:rPr lang="pt-BR" noProof="1" smtClean="0"/>
@@ -11530,11 +12102,7 @@
             <a:pPr marL="0" lvl="1" algn="just"/>
             <a:r>
               <a:rPr lang="pt-BR" noProof="1"/>
-              <a:t>Seguindo a mesma tendência os conversores estáticos necessitarão trabalhar com elevada densidade de potência, design mais compacto, menos materiais e componentes, e menor custo. Os projetos de geradores eólicos necessitarão de maior robustez para trabalhar em ambientes extremos e condições de redes </a:t>
-            </a:r>
-            <a:r>
-              <a:rPr lang="pt-BR" noProof="1"/>
-              <a:t>piores</a:t>
+              <a:t>Seguindo a mesma tendência os conversores estáticos necessitarão trabalhar com elevada densidade de potência, design mais compacto, menos materiais e componentes, e menor custo. Os projetos de geradores eólicos necessitarão de maior robustez para trabalhar em ambientes extremos e condições de redes piores</a:t>
             </a:r>
             <a:r>
               <a:rPr lang="pt-BR" noProof="1" smtClean="0"/>
@@ -11709,7 +12277,7 @@
         <p:spPr bwMode="auto">
           <a:xfrm>
             <a:off x="611758" y="1700808"/>
-            <a:ext cx="7776666" cy="1200329"/>
+            <a:ext cx="7776666" cy="3139321"/>
           </a:xfrm>
           <a:prstGeom prst="rect">
             <a:avLst/>
@@ -11746,37 +12314,58 @@
           <a:p>
             <a:pPr marL="0" lvl="1" algn="just"/>
             <a:r>
+              <a:rPr lang="pt-BR" noProof="1" smtClean="0"/>
+              <a:t>Power </a:t>
+            </a:r>
+            <a:r>
               <a:rPr lang="pt-BR" noProof="1"/>
-              <a:t>Este </a:t>
+              <a:t>Electronics Converters for Wind Turbine Systems</a:t>
+            </a:r>
+          </a:p>
+          <a:p>
+            <a:pPr marL="0" lvl="1" algn="just"/>
+            <a:r>
+              <a:rPr lang="pt-BR" noProof="1"/>
+              <a:t>Frede Blaabjerg, Fellow, IEEE, Marco Liserre, Senior Member, IEEE, and KeMa, Member</a:t>
+            </a:r>
+            <a:r>
+              <a:rPr lang="pt-BR" noProof="1"/>
+              <a:t>, </a:t>
             </a:r>
             <a:r>
               <a:rPr lang="pt-BR" noProof="1" smtClean="0"/>
-              <a:t>artigo apresenta </a:t>
-            </a:r>
+              <a:t>IEEE</a:t>
+            </a:r>
+            <a:endParaRPr lang="pt-BR" noProof="1"/>
+          </a:p>
+          <a:p>
+            <a:pPr marL="0" lvl="1" algn="just"/>
             <a:r>
               <a:rPr lang="pt-BR" noProof="1"/>
-              <a:t>uma breve revisão sobre os conversores estáticos e geradores utilizados atualmente nos sistemas eólicos de elevada potência </a:t>
+              <a:t>IEEE TRANSACTIONS ON INDUSTRY APPLICATIONS, VOL. 48, NO. 2, </a:t>
             </a:r>
             <a:r>
               <a:rPr lang="pt-BR" noProof="1"/>
-              <a:t>e </a:t>
+              <a:t>MARCH/APRIL </a:t>
             </a:r>
             <a:r>
               <a:rPr lang="pt-BR" noProof="1" smtClean="0"/>
-              <a:t>levanta algumas </a:t>
-            </a:r>
+              <a:t>2012</a:t>
+            </a:r>
+          </a:p>
+          <a:p>
+            <a:pPr marL="0" lvl="1" algn="just"/>
+            <a:endParaRPr lang="pt-BR" noProof="1"/>
+          </a:p>
+          <a:p>
+            <a:pPr marL="0" lvl="1" algn="just"/>
             <a:r>
               <a:rPr lang="pt-BR" noProof="1"/>
-              <a:t>questões a respeito da viabilidade destes sistemas em </a:t>
-            </a:r>
-            <a:r>
-              <a:rPr lang="pt-BR" noProof="1"/>
-              <a:t>grandes </a:t>
-            </a:r>
-            <a:r>
-              <a:rPr lang="pt-BR" noProof="1" smtClean="0"/>
-              <a:t>escalas.</a:t>
-            </a:r>
+              <a:t>Este artigo apresenta uma breve revisão sobre os conversores estáticos e geradores utilizados atualmente nos sistemas eólicos de elevada potência e levanta algumas questões a respeito da viabilidade destes sistemas em grandes escalas.</a:t>
+            </a:r>
+          </a:p>
+          <a:p>
+            <a:pPr marL="0" lvl="1" algn="just"/>
             <a:endParaRPr lang="pt-BR" noProof="1" smtClean="0"/>
           </a:p>
         </p:txBody>
@@ -12022,11 +12611,7 @@
             </a:r>
             <a:r>
               <a:rPr lang="pt-BR" noProof="1"/>
-              <a:t>% geração </a:t>
-            </a:r>
-            <a:r>
-              <a:rPr lang="pt-BR" noProof="1"/>
-              <a:t>mundial</a:t>
+              <a:t>% geração mundial</a:t>
             </a:r>
             <a:r>
               <a:rPr lang="pt-BR" noProof="1" smtClean="0"/>
